--- a/Docs/World war Jump Final.pptx
+++ b/Docs/World war Jump Final.pptx
@@ -12,12 +12,13 @@
     <p:sldId id="263" r:id="rId6"/>
     <p:sldId id="265" r:id="rId7"/>
     <p:sldId id="259" r:id="rId8"/>
-    <p:sldId id="264" r:id="rId9"/>
-    <p:sldId id="266" r:id="rId10"/>
+    <p:sldId id="269" r:id="rId9"/>
+    <p:sldId id="264" r:id="rId10"/>
     <p:sldId id="267" r:id="rId11"/>
-    <p:sldId id="261" r:id="rId12"/>
-    <p:sldId id="262" r:id="rId13"/>
-    <p:sldId id="268" r:id="rId14"/>
+    <p:sldId id="266" r:id="rId12"/>
+    <p:sldId id="261" r:id="rId13"/>
+    <p:sldId id="262" r:id="rId14"/>
+    <p:sldId id="268" r:id="rId15"/>
   </p:sldIdLst>
   <p:sldSz cx="12192000" cy="6858000"/>
   <p:notesSz cx="6858000" cy="9144000"/>
@@ -577,7 +578,7 @@
           <a:p>
             <a:fld id="{BA857262-ED59-4341-97B6-5E275DFA924D}" type="datetimeFigureOut">
               <a:rPr lang="en-US" smtClean="0"/>
-              <a:t>6/26/2016</a:t>
+              <a:t>6/27/2016</a:t>
             </a:fld>
             <a:endParaRPr lang="en-US"/>
           </a:p>
@@ -909,7 +910,7 @@
           <a:p>
             <a:fld id="{BA857262-ED59-4341-97B6-5E275DFA924D}" type="datetimeFigureOut">
               <a:rPr lang="en-US" smtClean="0"/>
-              <a:t>6/26/2016</a:t>
+              <a:t>6/27/2016</a:t>
             </a:fld>
             <a:endParaRPr lang="en-US"/>
           </a:p>
@@ -1105,7 +1106,7 @@
           <a:p>
             <a:fld id="{BA857262-ED59-4341-97B6-5E275DFA924D}" type="datetimeFigureOut">
               <a:rPr lang="en-US" smtClean="0"/>
-              <a:t>6/26/2016</a:t>
+              <a:t>6/27/2016</a:t>
             </a:fld>
             <a:endParaRPr lang="en-US"/>
           </a:p>
@@ -1375,7 +1376,7 @@
           <a:p>
             <a:fld id="{BA857262-ED59-4341-97B6-5E275DFA924D}" type="datetimeFigureOut">
               <a:rPr lang="en-US" smtClean="0"/>
-              <a:t>6/26/2016</a:t>
+              <a:t>6/27/2016</a:t>
             </a:fld>
             <a:endParaRPr lang="en-US"/>
           </a:p>
@@ -1803,7 +1804,7 @@
           <a:p>
             <a:fld id="{BA857262-ED59-4341-97B6-5E275DFA924D}" type="datetimeFigureOut">
               <a:rPr lang="en-US" smtClean="0"/>
-              <a:t>6/26/2016</a:t>
+              <a:t>6/27/2016</a:t>
             </a:fld>
             <a:endParaRPr lang="en-US"/>
           </a:p>
@@ -2353,7 +2354,7 @@
           <a:p>
             <a:fld id="{BA857262-ED59-4341-97B6-5E275DFA924D}" type="datetimeFigureOut">
               <a:rPr lang="en-US" smtClean="0"/>
-              <a:t>6/26/2016</a:t>
+              <a:t>6/27/2016</a:t>
             </a:fld>
             <a:endParaRPr lang="en-US"/>
           </a:p>
@@ -3143,7 +3144,7 @@
           <a:p>
             <a:fld id="{BA857262-ED59-4341-97B6-5E275DFA924D}" type="datetimeFigureOut">
               <a:rPr lang="en-US" smtClean="0"/>
-              <a:t>6/26/2016</a:t>
+              <a:t>6/27/2016</a:t>
             </a:fld>
             <a:endParaRPr lang="en-US"/>
           </a:p>
@@ -3322,7 +3323,7 @@
           <a:p>
             <a:fld id="{BA857262-ED59-4341-97B6-5E275DFA924D}" type="datetimeFigureOut">
               <a:rPr lang="en-US" smtClean="0"/>
-              <a:t>6/26/2016</a:t>
+              <a:t>6/27/2016</a:t>
             </a:fld>
             <a:endParaRPr lang="en-US"/>
           </a:p>
@@ -3506,7 +3507,7 @@
           <a:p>
             <a:fld id="{BA857262-ED59-4341-97B6-5E275DFA924D}" type="datetimeFigureOut">
               <a:rPr lang="en-US" smtClean="0"/>
-              <a:t>6/26/2016</a:t>
+              <a:t>6/27/2016</a:t>
             </a:fld>
             <a:endParaRPr lang="en-US"/>
           </a:p>
@@ -3681,7 +3682,7 @@
           <a:p>
             <a:fld id="{BA857262-ED59-4341-97B6-5E275DFA924D}" type="datetimeFigureOut">
               <a:rPr lang="en-US" smtClean="0"/>
-              <a:t>6/26/2016</a:t>
+              <a:t>6/27/2016</a:t>
             </a:fld>
             <a:endParaRPr lang="en-US"/>
           </a:p>
@@ -3931,7 +3932,7 @@
           <a:p>
             <a:fld id="{BA857262-ED59-4341-97B6-5E275DFA924D}" type="datetimeFigureOut">
               <a:rPr lang="en-US" smtClean="0"/>
-              <a:t>6/26/2016</a:t>
+              <a:t>6/27/2016</a:t>
             </a:fld>
             <a:endParaRPr lang="en-US"/>
           </a:p>
@@ -4168,7 +4169,7 @@
           <a:p>
             <a:fld id="{BA857262-ED59-4341-97B6-5E275DFA924D}" type="datetimeFigureOut">
               <a:rPr lang="en-US" smtClean="0"/>
-              <a:t>6/26/2016</a:t>
+              <a:t>6/27/2016</a:t>
             </a:fld>
             <a:endParaRPr lang="en-US"/>
           </a:p>
@@ -4553,7 +4554,7 @@
           <a:p>
             <a:fld id="{BA857262-ED59-4341-97B6-5E275DFA924D}" type="datetimeFigureOut">
               <a:rPr lang="en-US" smtClean="0"/>
-              <a:t>6/26/2016</a:t>
+              <a:t>6/27/2016</a:t>
             </a:fld>
             <a:endParaRPr lang="en-US"/>
           </a:p>
@@ -4671,7 +4672,7 @@
           <a:p>
             <a:fld id="{BA857262-ED59-4341-97B6-5E275DFA924D}" type="datetimeFigureOut">
               <a:rPr lang="en-US" smtClean="0"/>
-              <a:t>6/26/2016</a:t>
+              <a:t>6/27/2016</a:t>
             </a:fld>
             <a:endParaRPr lang="en-US"/>
           </a:p>
@@ -4766,7 +4767,7 @@
           <a:p>
             <a:fld id="{BA857262-ED59-4341-97B6-5E275DFA924D}" type="datetimeFigureOut">
               <a:rPr lang="en-US" smtClean="0"/>
-              <a:t>6/26/2016</a:t>
+              <a:t>6/27/2016</a:t>
             </a:fld>
             <a:endParaRPr lang="en-US"/>
           </a:p>
@@ -5019,7 +5020,7 @@
           <a:p>
             <a:fld id="{BA857262-ED59-4341-97B6-5E275DFA924D}" type="datetimeFigureOut">
               <a:rPr lang="en-US" smtClean="0"/>
-              <a:t>6/26/2016</a:t>
+              <a:t>6/27/2016</a:t>
             </a:fld>
             <a:endParaRPr lang="en-US"/>
           </a:p>
@@ -5288,7 +5289,7 @@
           <a:p>
             <a:fld id="{BA857262-ED59-4341-97B6-5E275DFA924D}" type="datetimeFigureOut">
               <a:rPr lang="en-US" smtClean="0"/>
-              <a:t>6/26/2016</a:t>
+              <a:t>6/27/2016</a:t>
             </a:fld>
             <a:endParaRPr lang="en-US"/>
           </a:p>
@@ -5691,7 +5692,7 @@
           <a:p>
             <a:fld id="{BA857262-ED59-4341-97B6-5E275DFA924D}" type="datetimeFigureOut">
               <a:rPr lang="en-US" smtClean="0"/>
-              <a:t>6/26/2016</a:t>
+              <a:t>6/27/2016</a:t>
             </a:fld>
             <a:endParaRPr lang="en-US"/>
           </a:p>
@@ -6625,6 +6626,261 @@
 </file>
 
 <file path=ppt/slides/slide11.xml><?xml version="1.0" encoding="utf-8"?>
+<p:sld xmlns:a="http://schemas.openxmlformats.org/drawingml/2006/main" xmlns:r="http://schemas.openxmlformats.org/officeDocument/2006/relationships" xmlns:p="http://schemas.openxmlformats.org/presentationml/2006/main">
+  <p:cSld>
+    <p:spTree>
+      <p:nvGrpSpPr>
+        <p:cNvPr id="1" name=""/>
+        <p:cNvGrpSpPr/>
+        <p:nvPr/>
+      </p:nvGrpSpPr>
+      <p:grpSpPr>
+        <a:xfrm>
+          <a:off x="0" y="0"/>
+          <a:ext cx="0" cy="0"/>
+          <a:chOff x="0" y="0"/>
+          <a:chExt cx="0" cy="0"/>
+        </a:xfrm>
+      </p:grpSpPr>
+      <p:sp>
+        <p:nvSpPr>
+          <p:cNvPr id="2" name="Titel 1"/>
+          <p:cNvSpPr>
+            <a:spLocks noGrp="1"/>
+          </p:cNvSpPr>
+          <p:nvPr>
+            <p:ph type="title"/>
+          </p:nvPr>
+        </p:nvSpPr>
+        <p:spPr>
+          <a:xfrm>
+            <a:off x="179174" y="154460"/>
+            <a:ext cx="10396882" cy="1151965"/>
+          </a:xfrm>
+        </p:spPr>
+        <p:txBody>
+          <a:bodyPr/>
+          <a:lstStyle/>
+          <a:p>
+            <a:r>
+              <a:rPr lang="de-DE" dirty="0" smtClean="0"/>
+              <a:t>Probleme &amp; Lösungen</a:t>
+            </a:r>
+            <a:endParaRPr lang="en-GB" dirty="0"/>
+          </a:p>
+        </p:txBody>
+      </p:sp>
+      <p:sp>
+        <p:nvSpPr>
+          <p:cNvPr id="3" name="Inhaltsplatzhalter 2"/>
+          <p:cNvSpPr>
+            <a:spLocks noGrp="1"/>
+          </p:cNvSpPr>
+          <p:nvPr>
+            <p:ph sz="quarter" idx="13"/>
+          </p:nvPr>
+        </p:nvSpPr>
+        <p:spPr>
+          <a:xfrm>
+            <a:off x="463378" y="1173710"/>
+            <a:ext cx="10394707" cy="4386831"/>
+          </a:xfrm>
+        </p:spPr>
+        <p:txBody>
+          <a:bodyPr/>
+          <a:lstStyle/>
+          <a:p>
+            <a:r>
+              <a:rPr lang="de-DE" cap="none" dirty="0" smtClean="0">
+                <a:latin typeface="Arial" panose="020B0604020202020204" pitchFamily="34" charset="0"/>
+                <a:cs typeface="Arial" panose="020B0604020202020204" pitchFamily="34" charset="0"/>
+              </a:rPr>
+              <a:t>Eigene </a:t>
+            </a:r>
+            <a:r>
+              <a:rPr lang="de-DE" cap="none" dirty="0" smtClean="0">
+                <a:latin typeface="Arial" panose="020B0604020202020204" pitchFamily="34" charset="0"/>
+                <a:cs typeface="Arial" panose="020B0604020202020204" pitchFamily="34" charset="0"/>
+              </a:rPr>
+              <a:t>Physik Engine</a:t>
+            </a:r>
+          </a:p>
+          <a:p>
+            <a:pPr lvl="1"/>
+            <a:r>
+              <a:rPr lang="de-DE" cap="none" dirty="0" smtClean="0">
+                <a:latin typeface="Arial" panose="020B0604020202020204" pitchFamily="34" charset="0"/>
+                <a:cs typeface="Arial" panose="020B0604020202020204" pitchFamily="34" charset="0"/>
+              </a:rPr>
+              <a:t>Runde Welt (Viele </a:t>
+            </a:r>
+            <a:r>
+              <a:rPr lang="de-DE" cap="none" dirty="0" smtClean="0">
+                <a:latin typeface="Arial" panose="020B0604020202020204" pitchFamily="34" charset="0"/>
+                <a:cs typeface="Arial" panose="020B0604020202020204" pitchFamily="34" charset="0"/>
+              </a:rPr>
+              <a:t>Koordinatentransformationen)</a:t>
+            </a:r>
+            <a:endParaRPr lang="de-DE" cap="none" dirty="0" smtClean="0">
+              <a:latin typeface="Arial" panose="020B0604020202020204" pitchFamily="34" charset="0"/>
+              <a:cs typeface="Arial" panose="020B0604020202020204" pitchFamily="34" charset="0"/>
+            </a:endParaRPr>
+          </a:p>
+          <a:p>
+            <a:pPr lvl="1"/>
+            <a:r>
+              <a:rPr lang="de-DE" cap="none" dirty="0" smtClean="0">
+                <a:latin typeface="Arial" panose="020B0604020202020204" pitchFamily="34" charset="0"/>
+                <a:cs typeface="Arial" panose="020B0604020202020204" pitchFamily="34" charset="0"/>
+              </a:rPr>
+              <a:t>Orientierung, Drehung und Stabilisation</a:t>
+            </a:r>
+          </a:p>
+          <a:p>
+            <a:r>
+              <a:rPr lang="de-DE" cap="none" dirty="0" smtClean="0">
+                <a:latin typeface="Arial" panose="020B0604020202020204" pitchFamily="34" charset="0"/>
+                <a:cs typeface="Arial" panose="020B0604020202020204" pitchFamily="34" charset="0"/>
+              </a:rPr>
+              <a:t>Kollisionsprobleme durch Taktung</a:t>
+            </a:r>
+          </a:p>
+          <a:p>
+            <a:pPr lvl="1"/>
+            <a:r>
+              <a:rPr lang="de-DE" cap="none" dirty="0" smtClean="0">
+                <a:latin typeface="Arial" panose="020B0604020202020204" pitchFamily="34" charset="0"/>
+                <a:cs typeface="Arial" panose="020B0604020202020204" pitchFamily="34" charset="0"/>
+              </a:rPr>
+              <a:t>Runde Oberfläche/</a:t>
+            </a:r>
+            <a:r>
+              <a:rPr lang="de-DE" cap="none" dirty="0" err="1" smtClean="0">
+                <a:latin typeface="Arial" panose="020B0604020202020204" pitchFamily="34" charset="0"/>
+                <a:cs typeface="Arial" panose="020B0604020202020204" pitchFamily="34" charset="0"/>
+              </a:rPr>
+              <a:t>Pixmaps</a:t>
+            </a:r>
+            <a:endParaRPr lang="de-DE" cap="none" dirty="0" smtClean="0">
+              <a:latin typeface="Arial" panose="020B0604020202020204" pitchFamily="34" charset="0"/>
+              <a:cs typeface="Arial" panose="020B0604020202020204" pitchFamily="34" charset="0"/>
+            </a:endParaRPr>
+          </a:p>
+          <a:p>
+            <a:pPr lvl="1"/>
+            <a:r>
+              <a:rPr lang="de-DE" cap="none" dirty="0" smtClean="0">
+                <a:latin typeface="Arial" panose="020B0604020202020204" pitchFamily="34" charset="0"/>
+                <a:cs typeface="Arial" panose="020B0604020202020204" pitchFamily="34" charset="0"/>
+              </a:rPr>
+              <a:t>Keine </a:t>
+            </a:r>
+            <a:r>
+              <a:rPr lang="de-DE" cap="none" dirty="0">
+                <a:latin typeface="Arial" panose="020B0604020202020204" pitchFamily="34" charset="0"/>
+                <a:cs typeface="Arial" panose="020B0604020202020204" pitchFamily="34" charset="0"/>
+              </a:rPr>
+              <a:t>R</a:t>
+            </a:r>
+            <a:r>
+              <a:rPr lang="de-DE" cap="none" dirty="0" smtClean="0">
+                <a:latin typeface="Arial" panose="020B0604020202020204" pitchFamily="34" charset="0"/>
+                <a:cs typeface="Arial" panose="020B0604020202020204" pitchFamily="34" charset="0"/>
+              </a:rPr>
+              <a:t>echnung </a:t>
+            </a:r>
+            <a:r>
+              <a:rPr lang="de-DE" cap="none" dirty="0" smtClean="0">
+                <a:latin typeface="Arial" panose="020B0604020202020204" pitchFamily="34" charset="0"/>
+                <a:cs typeface="Arial" panose="020B0604020202020204" pitchFamily="34" charset="0"/>
+              </a:rPr>
+              <a:t>mit </a:t>
+            </a:r>
+            <a:r>
+              <a:rPr lang="de-DE" cap="none" dirty="0">
+                <a:latin typeface="Arial" panose="020B0604020202020204" pitchFamily="34" charset="0"/>
+                <a:cs typeface="Arial" panose="020B0604020202020204" pitchFamily="34" charset="0"/>
+              </a:rPr>
+              <a:t>I</a:t>
+            </a:r>
+            <a:r>
+              <a:rPr lang="de-DE" cap="none" dirty="0" smtClean="0">
+                <a:latin typeface="Arial" panose="020B0604020202020204" pitchFamily="34" charset="0"/>
+                <a:cs typeface="Arial" panose="020B0604020202020204" pitchFamily="34" charset="0"/>
+              </a:rPr>
+              <a:t>nvertierung </a:t>
+            </a:r>
+            <a:r>
+              <a:rPr lang="de-DE" cap="none" dirty="0" smtClean="0">
+                <a:latin typeface="Arial" panose="020B0604020202020204" pitchFamily="34" charset="0"/>
+                <a:cs typeface="Arial" panose="020B0604020202020204" pitchFamily="34" charset="0"/>
+              </a:rPr>
+              <a:t>möglich</a:t>
+            </a:r>
+          </a:p>
+          <a:p>
+            <a:r>
+              <a:rPr lang="de-DE" cap="none" dirty="0" err="1" smtClean="0">
+                <a:latin typeface="Arial" panose="020B0604020202020204" pitchFamily="34" charset="0"/>
+                <a:cs typeface="Arial" panose="020B0604020202020204" pitchFamily="34" charset="0"/>
+              </a:rPr>
+              <a:t>Cyclic</a:t>
+            </a:r>
+            <a:r>
+              <a:rPr lang="de-DE" cap="none" dirty="0" smtClean="0">
+                <a:latin typeface="Arial" panose="020B0604020202020204" pitchFamily="34" charset="0"/>
+                <a:cs typeface="Arial" panose="020B0604020202020204" pitchFamily="34" charset="0"/>
+              </a:rPr>
+              <a:t> </a:t>
+            </a:r>
+            <a:r>
+              <a:rPr lang="de-DE" cap="none" dirty="0" err="1" smtClean="0">
+                <a:latin typeface="Arial" panose="020B0604020202020204" pitchFamily="34" charset="0"/>
+                <a:cs typeface="Arial" panose="020B0604020202020204" pitchFamily="34" charset="0"/>
+              </a:rPr>
+              <a:t>Inheritance</a:t>
+            </a:r>
+            <a:endParaRPr lang="de-DE" cap="none" dirty="0" smtClean="0">
+              <a:latin typeface="Arial" panose="020B0604020202020204" pitchFamily="34" charset="0"/>
+              <a:cs typeface="Arial" panose="020B0604020202020204" pitchFamily="34" charset="0"/>
+            </a:endParaRPr>
+          </a:p>
+          <a:p>
+            <a:r>
+              <a:rPr lang="de-DE" cap="none" dirty="0" smtClean="0">
+                <a:latin typeface="Arial" panose="020B0604020202020204" pitchFamily="34" charset="0"/>
+                <a:cs typeface="Arial" panose="020B0604020202020204" pitchFamily="34" charset="0"/>
+              </a:rPr>
+              <a:t>Settings und Statische Werte</a:t>
+            </a:r>
+            <a:endParaRPr lang="en-GB" cap="none" dirty="0">
+              <a:latin typeface="Arial" panose="020B0604020202020204" pitchFamily="34" charset="0"/>
+              <a:cs typeface="Arial" panose="020B0604020202020204" pitchFamily="34" charset="0"/>
+            </a:endParaRPr>
+          </a:p>
+        </p:txBody>
+      </p:sp>
+    </p:spTree>
+    <p:extLst>
+      <p:ext uri="{BB962C8B-B14F-4D97-AF65-F5344CB8AC3E}">
+        <p14:creationId xmlns:p14="http://schemas.microsoft.com/office/powerpoint/2010/main" val="1281520816"/>
+      </p:ext>
+    </p:extLst>
+  </p:cSld>
+  <p:clrMapOvr>
+    <a:masterClrMapping/>
+  </p:clrMapOvr>
+  <p:timing>
+    <p:tnLst>
+      <p:par>
+        <p:cTn id="1" dur="indefinite" restart="never" nodeType="tmRoot"/>
+      </p:par>
+    </p:tnLst>
+  </p:timing>
+</p:sld>
+</file>
+
+<file path=ppt/slides/slide12.xml><?xml version="1.0" encoding="utf-8"?>
 <p:sld xmlns:a="http://schemas.openxmlformats.org/drawingml/2006/main" xmlns:r="http://schemas.openxmlformats.org/officeDocument/2006/relationships" xmlns:p="http://schemas.openxmlformats.org/presentationml/2006/main" showMasterSp="0">
   <p:cSld>
     <p:bg>
@@ -6665,8 +6921,8 @@
         </p:blipFill>
         <p:spPr>
           <a:xfrm>
-            <a:off x="0" y="122871"/>
-            <a:ext cx="9112233" cy="6735129"/>
+            <a:off x="312234" y="1695124"/>
+            <a:ext cx="4012939" cy="2966085"/>
           </a:xfrm>
           <a:prstGeom prst="rect">
             <a:avLst/>
@@ -6695,14 +6951,154 @@
         </p:blipFill>
         <p:spPr>
           <a:xfrm>
-            <a:off x="5448990" y="-33121"/>
-            <a:ext cx="6743010" cy="6404165"/>
+            <a:off x="7168047" y="1330181"/>
+            <a:ext cx="4275002" cy="3331028"/>
           </a:xfrm>
           <a:prstGeom prst="rect">
             <a:avLst/>
           </a:prstGeom>
         </p:spPr>
       </p:pic>
+      <p:sp>
+        <p:nvSpPr>
+          <p:cNvPr id="3" name="Pfeil nach rechts 2"/>
+          <p:cNvSpPr/>
+          <p:nvPr/>
+        </p:nvSpPr>
+        <p:spPr>
+          <a:xfrm>
+            <a:off x="4943722" y="2677885"/>
+            <a:ext cx="1605776" cy="635620"/>
+          </a:xfrm>
+          <a:prstGeom prst="rightArrow">
+            <a:avLst/>
+          </a:prstGeom>
+        </p:spPr>
+        <p:style>
+          <a:lnRef idx="2">
+            <a:schemeClr val="accent1">
+              <a:shade val="50000"/>
+            </a:schemeClr>
+          </a:lnRef>
+          <a:fillRef idx="1">
+            <a:schemeClr val="accent1"/>
+          </a:fillRef>
+          <a:effectRef idx="0">
+            <a:schemeClr val="accent1"/>
+          </a:effectRef>
+          <a:fontRef idx="minor">
+            <a:schemeClr val="lt1"/>
+          </a:fontRef>
+        </p:style>
+        <p:txBody>
+          <a:bodyPr rtlCol="0" anchor="ctr"/>
+          <a:lstStyle/>
+          <a:p>
+            <a:pPr algn="ctr"/>
+            <a:endParaRPr lang="en-GB"/>
+          </a:p>
+        </p:txBody>
+      </p:sp>
+      <p:sp>
+        <p:nvSpPr>
+          <p:cNvPr id="4" name="Pfeil nach unten 3"/>
+          <p:cNvSpPr/>
+          <p:nvPr/>
+        </p:nvSpPr>
+        <p:spPr>
+          <a:xfrm>
+            <a:off x="6125751" y="5319132"/>
+            <a:ext cx="847493" cy="1170878"/>
+          </a:xfrm>
+          <a:prstGeom prst="downArrow">
+            <a:avLst/>
+          </a:prstGeom>
+        </p:spPr>
+        <p:style>
+          <a:lnRef idx="2">
+            <a:schemeClr val="accent1">
+              <a:shade val="50000"/>
+            </a:schemeClr>
+          </a:lnRef>
+          <a:fillRef idx="1">
+            <a:schemeClr val="accent1"/>
+          </a:fillRef>
+          <a:effectRef idx="0">
+            <a:schemeClr val="accent1"/>
+          </a:effectRef>
+          <a:fontRef idx="minor">
+            <a:schemeClr val="lt1"/>
+          </a:fontRef>
+        </p:style>
+        <p:txBody>
+          <a:bodyPr rtlCol="0" anchor="ctr"/>
+          <a:lstStyle/>
+          <a:p>
+            <a:pPr algn="ctr"/>
+            <a:endParaRPr lang="en-GB"/>
+          </a:p>
+        </p:txBody>
+      </p:sp>
+      <p:sp>
+        <p:nvSpPr>
+          <p:cNvPr id="6" name="Textfeld 5"/>
+          <p:cNvSpPr txBox="1"/>
+          <p:nvPr/>
+        </p:nvSpPr>
+        <p:spPr>
+          <a:xfrm>
+            <a:off x="1225883" y="1226634"/>
+            <a:ext cx="2185639" cy="369332"/>
+          </a:xfrm>
+          <a:prstGeom prst="rect">
+            <a:avLst/>
+          </a:prstGeom>
+          <a:noFill/>
+        </p:spPr>
+        <p:txBody>
+          <a:bodyPr wrap="square" rtlCol="0">
+            <a:spAutoFit/>
+          </a:bodyPr>
+          <a:lstStyle/>
+          <a:p>
+            <a:r>
+              <a:rPr lang="de-DE" dirty="0" smtClean="0"/>
+              <a:t>Vorpräsentation</a:t>
+            </a:r>
+            <a:endParaRPr lang="en-GB" dirty="0"/>
+          </a:p>
+        </p:txBody>
+      </p:sp>
+      <p:sp>
+        <p:nvSpPr>
+          <p:cNvPr id="7" name="Textfeld 6"/>
+          <p:cNvSpPr txBox="1"/>
+          <p:nvPr/>
+        </p:nvSpPr>
+        <p:spPr>
+          <a:xfrm>
+            <a:off x="8642195" y="892098"/>
+            <a:ext cx="1828800" cy="369332"/>
+          </a:xfrm>
+          <a:prstGeom prst="rect">
+            <a:avLst/>
+          </a:prstGeom>
+          <a:noFill/>
+        </p:spPr>
+        <p:txBody>
+          <a:bodyPr wrap="square" rtlCol="0">
+            <a:spAutoFit/>
+          </a:bodyPr>
+          <a:lstStyle/>
+          <a:p>
+            <a:r>
+              <a:rPr lang="de-DE" dirty="0" smtClean="0"/>
+              <a:t>Zwischenstand</a:t>
+            </a:r>
+            <a:endParaRPr lang="en-GB" dirty="0"/>
+          </a:p>
+        </p:txBody>
+      </p:sp>
     </p:spTree>
     <p:extLst>
       <p:ext uri="{BB962C8B-B14F-4D97-AF65-F5344CB8AC3E}">
@@ -6723,7 +7119,7 @@
 </p:sld>
 </file>
 
-<file path=ppt/slides/slide12.xml><?xml version="1.0" encoding="utf-8"?>
+<file path=ppt/slides/slide13.xml><?xml version="1.0" encoding="utf-8"?>
 <p:sld xmlns:a="http://schemas.openxmlformats.org/drawingml/2006/main" xmlns:r="http://schemas.openxmlformats.org/officeDocument/2006/relationships" xmlns:p="http://schemas.openxmlformats.org/presentationml/2006/main" showMasterSp="0">
   <p:cSld>
     <p:bg>
@@ -6778,6 +7174,36 @@
           </a:prstGeom>
         </p:spPr>
       </p:pic>
+      <p:sp>
+        <p:nvSpPr>
+          <p:cNvPr id="3" name="Textfeld 2"/>
+          <p:cNvSpPr txBox="1"/>
+          <p:nvPr/>
+        </p:nvSpPr>
+        <p:spPr>
+          <a:xfrm>
+            <a:off x="1851102" y="345688"/>
+            <a:ext cx="1672683" cy="369332"/>
+          </a:xfrm>
+          <a:prstGeom prst="rect">
+            <a:avLst/>
+          </a:prstGeom>
+          <a:noFill/>
+        </p:spPr>
+        <p:txBody>
+          <a:bodyPr wrap="square" rtlCol="0">
+            <a:spAutoFit/>
+          </a:bodyPr>
+          <a:lstStyle/>
+          <a:p>
+            <a:r>
+              <a:rPr lang="de-DE" dirty="0" smtClean="0"/>
+              <a:t>Endfassung</a:t>
+            </a:r>
+            <a:endParaRPr lang="en-GB" dirty="0"/>
+          </a:p>
+        </p:txBody>
+      </p:sp>
     </p:spTree>
     <p:extLst>
       <p:ext uri="{BB962C8B-B14F-4D97-AF65-F5344CB8AC3E}">
@@ -6798,7 +7224,7 @@
 </p:sld>
 </file>
 
-<file path=ppt/slides/slide13.xml><?xml version="1.0" encoding="utf-8"?>
+<file path=ppt/slides/slide14.xml><?xml version="1.0" encoding="utf-8"?>
 <p:sld xmlns:a="http://schemas.openxmlformats.org/drawingml/2006/main" xmlns:r="http://schemas.openxmlformats.org/officeDocument/2006/relationships" xmlns:p="http://schemas.openxmlformats.org/presentationml/2006/main">
   <p:cSld>
     <p:spTree>
@@ -6893,23 +7319,45 @@
           <a:lstStyle/>
           <a:p>
             <a:r>
-              <a:rPr lang="de-DE" dirty="0" smtClean="0"/>
-              <a:t>2 Treffen pro Woche je 3-5 Stunden</a:t>
-            </a:r>
-          </a:p>
-          <a:p>
-            <a:r>
-              <a:rPr lang="de-DE" dirty="0" err="1" smtClean="0"/>
+              <a:rPr lang="de-DE" cap="none" dirty="0" smtClean="0">
+                <a:latin typeface="Arial" panose="020B0604020202020204" pitchFamily="34" charset="0"/>
+              </a:rPr>
+              <a:t>2 </a:t>
+            </a:r>
+            <a:r>
+              <a:rPr lang="de-DE" cap="none" dirty="0" smtClean="0">
+                <a:latin typeface="Arial" panose="020B0604020202020204" pitchFamily="34" charset="0"/>
+              </a:rPr>
+              <a:t>Treffen </a:t>
+            </a:r>
+            <a:r>
+              <a:rPr lang="de-DE" cap="none" dirty="0" smtClean="0">
+                <a:latin typeface="Arial" panose="020B0604020202020204" pitchFamily="34" charset="0"/>
+              </a:rPr>
+              <a:t>pro Woche je 3-5 Stunden</a:t>
+            </a:r>
+          </a:p>
+          <a:p>
+            <a:r>
+              <a:rPr lang="de-DE" cap="none" dirty="0" err="1" smtClean="0">
+                <a:latin typeface="Arial" panose="020B0604020202020204" pitchFamily="34" charset="0"/>
+              </a:rPr>
               <a:t>Whatsappgruppe</a:t>
             </a:r>
-            <a:endParaRPr lang="de-DE" dirty="0" smtClean="0"/>
-          </a:p>
-          <a:p>
-            <a:r>
-              <a:rPr lang="de-DE" dirty="0" err="1" smtClean="0"/>
-              <a:t>AufgabenProtokolle</a:t>
-            </a:r>
-            <a:endParaRPr lang="de-DE" dirty="0" smtClean="0"/>
+            <a:endParaRPr lang="de-DE" cap="none" dirty="0" smtClean="0">
+              <a:latin typeface="Arial" panose="020B0604020202020204" pitchFamily="34" charset="0"/>
+            </a:endParaRPr>
+          </a:p>
+          <a:p>
+            <a:r>
+              <a:rPr lang="de-DE" cap="none" dirty="0" smtClean="0">
+                <a:latin typeface="Arial" panose="020B0604020202020204" pitchFamily="34" charset="0"/>
+              </a:rPr>
+              <a:t>Aufgabenprotokolle</a:t>
+            </a:r>
+            <a:endParaRPr lang="de-DE" cap="none" dirty="0" smtClean="0">
+              <a:latin typeface="Arial" panose="020B0604020202020204" pitchFamily="34" charset="0"/>
+            </a:endParaRPr>
           </a:p>
           <a:p>
             <a:endParaRPr lang="en-GB" dirty="0"/>
@@ -7066,31 +7514,45 @@
           <a:lstStyle/>
           <a:p>
             <a:r>
-              <a:rPr lang="de-DE" sz="2800" dirty="0" smtClean="0"/>
+              <a:rPr lang="de-DE" sz="2800" cap="none" dirty="0" smtClean="0">
+                <a:latin typeface="Arial" panose="020B0604020202020204" pitchFamily="34" charset="0"/>
+              </a:rPr>
               <a:t>Zwei Spieler treten gegeneinander mit dem Ziel die Einheiten des anderen zu treffen.</a:t>
             </a:r>
           </a:p>
           <a:p>
             <a:r>
-              <a:rPr lang="de-DE" sz="2800" dirty="0" smtClean="0"/>
+              <a:rPr lang="de-DE" sz="2800" cap="none" dirty="0" smtClean="0">
+                <a:latin typeface="Arial" panose="020B0604020202020204" pitchFamily="34" charset="0"/>
+              </a:rPr>
               <a:t>Lokales </a:t>
             </a:r>
             <a:r>
-              <a:rPr lang="de-DE" sz="2800" dirty="0" err="1" smtClean="0"/>
+              <a:rPr lang="de-DE" sz="2800" cap="none" dirty="0" err="1" smtClean="0">
+                <a:latin typeface="Arial" panose="020B0604020202020204" pitchFamily="34" charset="0"/>
+              </a:rPr>
               <a:t>multiplayer</a:t>
             </a:r>
-            <a:endParaRPr lang="en-US" sz="2800" dirty="0" smtClean="0"/>
-          </a:p>
-          <a:p>
-            <a:r>
-              <a:rPr lang="de-DE" sz="2800" dirty="0" smtClean="0"/>
+            <a:endParaRPr lang="en-US" sz="2800" cap="none" dirty="0" smtClean="0">
+              <a:latin typeface="Arial" panose="020B0604020202020204" pitchFamily="34" charset="0"/>
+            </a:endParaRPr>
+          </a:p>
+          <a:p>
+            <a:r>
+              <a:rPr lang="de-DE" sz="2800" cap="none" dirty="0" smtClean="0">
+                <a:latin typeface="Arial" panose="020B0604020202020204" pitchFamily="34" charset="0"/>
+              </a:rPr>
               <a:t>Chaotisches </a:t>
             </a:r>
             <a:r>
-              <a:rPr lang="de-DE" sz="2800" dirty="0" err="1" smtClean="0"/>
+              <a:rPr lang="de-DE" sz="2800" cap="none" dirty="0" err="1" smtClean="0">
+                <a:latin typeface="Arial" panose="020B0604020202020204" pitchFamily="34" charset="0"/>
+              </a:rPr>
               <a:t>gameplay</a:t>
             </a:r>
-            <a:endParaRPr lang="de-DE" sz="2800" dirty="0" smtClean="0"/>
+            <a:endParaRPr lang="de-DE" sz="2800" cap="none" dirty="0" smtClean="0">
+              <a:latin typeface="Arial" panose="020B0604020202020204" pitchFamily="34" charset="0"/>
+            </a:endParaRPr>
           </a:p>
         </p:txBody>
       </p:sp>
@@ -7170,25 +7632,33 @@
           <a:lstStyle/>
           <a:p>
             <a:r>
-              <a:rPr lang="de-DE" sz="2800" dirty="0" smtClean="0"/>
+              <a:rPr lang="de-DE" sz="2800" cap="none" dirty="0" smtClean="0">
+                <a:latin typeface="Arial" panose="020B0604020202020204" pitchFamily="34" charset="0"/>
+              </a:rPr>
               <a:t>Impulserhaltung</a:t>
             </a:r>
           </a:p>
           <a:p>
             <a:r>
-              <a:rPr lang="de-DE" sz="2800" dirty="0" smtClean="0"/>
+              <a:rPr lang="de-DE" sz="2800" cap="none" dirty="0" smtClean="0">
+                <a:latin typeface="Arial" panose="020B0604020202020204" pitchFamily="34" charset="0"/>
+              </a:rPr>
               <a:t>Schwerkraft</a:t>
             </a:r>
           </a:p>
           <a:p>
             <a:r>
-              <a:rPr lang="de-DE" sz="2800" dirty="0" smtClean="0"/>
+              <a:rPr lang="de-DE" sz="2800" cap="none" dirty="0" smtClean="0">
+                <a:latin typeface="Arial" panose="020B0604020202020204" pitchFamily="34" charset="0"/>
+              </a:rPr>
               <a:t>Trägheit</a:t>
             </a:r>
           </a:p>
           <a:p>
             <a:r>
-              <a:rPr lang="de-DE" sz="2800" dirty="0" smtClean="0"/>
+              <a:rPr lang="de-DE" sz="2800" cap="none" dirty="0" smtClean="0">
+                <a:latin typeface="Arial" panose="020B0604020202020204" pitchFamily="34" charset="0"/>
+              </a:rPr>
               <a:t>Schwingung</a:t>
             </a:r>
           </a:p>
@@ -7212,12 +7682,9 @@
           <a:bodyPr/>
           <a:lstStyle/>
           <a:p>
-            <a:r>
-              <a:rPr lang="de-DE" dirty="0" smtClean="0">
-                <a:hlinkClick r:id="rId2"/>
-              </a:rPr>
-              <a:t>Inspiration</a:t>
-            </a:r>
+            <a:endParaRPr lang="en-US" dirty="0" smtClean="0"/>
+          </a:p>
+          <a:p>
             <a:endParaRPr lang="en-US" dirty="0"/>
           </a:p>
         </p:txBody>
@@ -7539,21 +8006,21 @@
                 <a:gridCol w="3649215">
                   <a:extLst>
                     <a:ext uri="{9D8B030D-6E8A-4147-A177-3AD203B41FA5}">
-                      <a16:colId xmlns:a16="http://schemas.microsoft.com/office/drawing/2014/main" xmlns="" val="4109560646"/>
+                      <a16:colId xmlns="" xmlns:a16="http://schemas.microsoft.com/office/drawing/2014/main" val="4109560646"/>
                     </a:ext>
                   </a:extLst>
                 </a:gridCol>
                 <a:gridCol w="3563352">
                   <a:extLst>
                     <a:ext uri="{9D8B030D-6E8A-4147-A177-3AD203B41FA5}">
-                      <a16:colId xmlns:a16="http://schemas.microsoft.com/office/drawing/2014/main" xmlns="" val="3126977587"/>
+                      <a16:colId xmlns="" xmlns:a16="http://schemas.microsoft.com/office/drawing/2014/main" val="3126977587"/>
                     </a:ext>
                   </a:extLst>
                 </a:gridCol>
                 <a:gridCol w="3434556">
                   <a:extLst>
                     <a:ext uri="{9D8B030D-6E8A-4147-A177-3AD203B41FA5}">
-                      <a16:colId xmlns:a16="http://schemas.microsoft.com/office/drawing/2014/main" xmlns="" val="4028497896"/>
+                      <a16:colId xmlns="" xmlns:a16="http://schemas.microsoft.com/office/drawing/2014/main" val="4028497896"/>
                     </a:ext>
                   </a:extLst>
                 </a:gridCol>
@@ -7639,7 +8106,7 @@
                 </a:tc>
                 <a:extLst>
                   <a:ext uri="{0D108BD9-81ED-4DB2-BD59-A6C34878D82A}">
-                    <a16:rowId xmlns:a16="http://schemas.microsoft.com/office/drawing/2014/main" xmlns="" val="3880309050"/>
+                    <a16:rowId xmlns="" xmlns:a16="http://schemas.microsoft.com/office/drawing/2014/main" val="3880309050"/>
                   </a:ext>
                 </a:extLst>
               </a:tr>
@@ -7740,7 +8207,7 @@
                 </a:tc>
                 <a:extLst>
                   <a:ext uri="{0D108BD9-81ED-4DB2-BD59-A6C34878D82A}">
-                    <a16:rowId xmlns:a16="http://schemas.microsoft.com/office/drawing/2014/main" xmlns="" val="3540896550"/>
+                    <a16:rowId xmlns="" xmlns:a16="http://schemas.microsoft.com/office/drawing/2014/main" val="3540896550"/>
                   </a:ext>
                 </a:extLst>
               </a:tr>
@@ -7841,7 +8308,7 @@
                 </a:tc>
                 <a:extLst>
                   <a:ext uri="{0D108BD9-81ED-4DB2-BD59-A6C34878D82A}">
-                    <a16:rowId xmlns:a16="http://schemas.microsoft.com/office/drawing/2014/main" xmlns="" val="4067091879"/>
+                    <a16:rowId xmlns="" xmlns:a16="http://schemas.microsoft.com/office/drawing/2014/main" val="4067091879"/>
                   </a:ext>
                 </a:extLst>
               </a:tr>
@@ -7934,7 +8401,7 @@
                 </a:tc>
                 <a:extLst>
                   <a:ext uri="{0D108BD9-81ED-4DB2-BD59-A6C34878D82A}">
-                    <a16:rowId xmlns:a16="http://schemas.microsoft.com/office/drawing/2014/main" xmlns="" val="2012051490"/>
+                    <a16:rowId xmlns="" xmlns:a16="http://schemas.microsoft.com/office/drawing/2014/main" val="2012051490"/>
                   </a:ext>
                 </a:extLst>
               </a:tr>
@@ -8011,7 +8478,7 @@
                 </a:tc>
                 <a:extLst>
                   <a:ext uri="{0D108BD9-81ED-4DB2-BD59-A6C34878D82A}">
-                    <a16:rowId xmlns:a16="http://schemas.microsoft.com/office/drawing/2014/main" xmlns="" val="4288572006"/>
+                    <a16:rowId xmlns="" xmlns:a16="http://schemas.microsoft.com/office/drawing/2014/main" val="4288572006"/>
                   </a:ext>
                 </a:extLst>
               </a:tr>
@@ -8096,7 +8563,7 @@
                 </a:tc>
                 <a:extLst>
                   <a:ext uri="{0D108BD9-81ED-4DB2-BD59-A6C34878D82A}">
-                    <a16:rowId xmlns:a16="http://schemas.microsoft.com/office/drawing/2014/main" xmlns="" val="409909681"/>
+                    <a16:rowId xmlns="" xmlns:a16="http://schemas.microsoft.com/office/drawing/2014/main" val="409909681"/>
                   </a:ext>
                 </a:extLst>
               </a:tr>
@@ -8423,9 +8890,376 @@
   <p:timing>
     <p:tnLst>
       <p:par>
-        <p:cTn id="1" dur="indefinite" restart="never" nodeType="tmRoot"/>
+        <p:cTn id="1" dur="indefinite" restart="never" nodeType="tmRoot">
+          <p:childTnLst>
+            <p:seq concurrent="1" nextAc="seek">
+              <p:cTn id="2" dur="indefinite" nodeType="mainSeq">
+                <p:childTnLst>
+                  <p:par>
+                    <p:cTn id="3" fill="hold">
+                      <p:stCondLst>
+                        <p:cond delay="indefinite"/>
+                      </p:stCondLst>
+                      <p:childTnLst>
+                        <p:par>
+                          <p:cTn id="4" fill="hold">
+                            <p:stCondLst>
+                              <p:cond delay="0"/>
+                            </p:stCondLst>
+                            <p:childTnLst>
+                              <p:par>
+                                <p:cTn id="5" presetID="22" presetClass="entr" presetSubtype="4" fill="hold" grpId="0" nodeType="clickEffect">
+                                  <p:stCondLst>
+                                    <p:cond delay="0"/>
+                                  </p:stCondLst>
+                                  <p:childTnLst>
+                                    <p:set>
+                                      <p:cBhvr>
+                                        <p:cTn id="6" dur="1" fill="hold">
+                                          <p:stCondLst>
+                                            <p:cond delay="0"/>
+                                          </p:stCondLst>
+                                        </p:cTn>
+                                        <p:tgtEl>
+                                          <p:spTgt spid="3"/>
+                                        </p:tgtEl>
+                                        <p:attrNameLst>
+                                          <p:attrName>style.visibility</p:attrName>
+                                        </p:attrNameLst>
+                                      </p:cBhvr>
+                                      <p:to>
+                                        <p:strVal val="visible"/>
+                                      </p:to>
+                                    </p:set>
+                                    <p:animEffect transition="in" filter="wipe(down)">
+                                      <p:cBhvr>
+                                        <p:cTn id="7" dur="500"/>
+                                        <p:tgtEl>
+                                          <p:spTgt spid="3"/>
+                                        </p:tgtEl>
+                                      </p:cBhvr>
+                                    </p:animEffect>
+                                  </p:childTnLst>
+                                </p:cTn>
+                              </p:par>
+                              <p:par>
+                                <p:cTn id="8" presetID="22" presetClass="entr" presetSubtype="4" fill="hold" grpId="0" nodeType="withEffect">
+                                  <p:stCondLst>
+                                    <p:cond delay="0"/>
+                                  </p:stCondLst>
+                                  <p:childTnLst>
+                                    <p:set>
+                                      <p:cBhvr>
+                                        <p:cTn id="9" dur="1" fill="hold">
+                                          <p:stCondLst>
+                                            <p:cond delay="0"/>
+                                          </p:stCondLst>
+                                        </p:cTn>
+                                        <p:tgtEl>
+                                          <p:spTgt spid="6"/>
+                                        </p:tgtEl>
+                                        <p:attrNameLst>
+                                          <p:attrName>style.visibility</p:attrName>
+                                        </p:attrNameLst>
+                                      </p:cBhvr>
+                                      <p:to>
+                                        <p:strVal val="visible"/>
+                                      </p:to>
+                                    </p:set>
+                                    <p:animEffect transition="in" filter="wipe(down)">
+                                      <p:cBhvr>
+                                        <p:cTn id="10" dur="500"/>
+                                        <p:tgtEl>
+                                          <p:spTgt spid="6"/>
+                                        </p:tgtEl>
+                                      </p:cBhvr>
+                                    </p:animEffect>
+                                  </p:childTnLst>
+                                </p:cTn>
+                              </p:par>
+                              <p:par>
+                                <p:cTn id="11" presetID="22" presetClass="entr" presetSubtype="4" fill="hold" grpId="0" nodeType="withEffect">
+                                  <p:stCondLst>
+                                    <p:cond delay="0"/>
+                                  </p:stCondLst>
+                                  <p:childTnLst>
+                                    <p:set>
+                                      <p:cBhvr>
+                                        <p:cTn id="12" dur="1" fill="hold">
+                                          <p:stCondLst>
+                                            <p:cond delay="0"/>
+                                          </p:stCondLst>
+                                        </p:cTn>
+                                        <p:tgtEl>
+                                          <p:spTgt spid="5"/>
+                                        </p:tgtEl>
+                                        <p:attrNameLst>
+                                          <p:attrName>style.visibility</p:attrName>
+                                        </p:attrNameLst>
+                                      </p:cBhvr>
+                                      <p:to>
+                                        <p:strVal val="visible"/>
+                                      </p:to>
+                                    </p:set>
+                                    <p:animEffect transition="in" filter="wipe(down)">
+                                      <p:cBhvr>
+                                        <p:cTn id="13" dur="500"/>
+                                        <p:tgtEl>
+                                          <p:spTgt spid="5"/>
+                                        </p:tgtEl>
+                                      </p:cBhvr>
+                                    </p:animEffect>
+                                  </p:childTnLst>
+                                </p:cTn>
+                              </p:par>
+                              <p:par>
+                                <p:cTn id="14" presetID="22" presetClass="entr" presetSubtype="4" fill="hold" grpId="0" nodeType="withEffect">
+                                  <p:stCondLst>
+                                    <p:cond delay="0"/>
+                                  </p:stCondLst>
+                                  <p:childTnLst>
+                                    <p:set>
+                                      <p:cBhvr>
+                                        <p:cTn id="15" dur="1" fill="hold">
+                                          <p:stCondLst>
+                                            <p:cond delay="0"/>
+                                          </p:stCondLst>
+                                        </p:cTn>
+                                        <p:tgtEl>
+                                          <p:spTgt spid="7"/>
+                                        </p:tgtEl>
+                                        <p:attrNameLst>
+                                          <p:attrName>style.visibility</p:attrName>
+                                        </p:attrNameLst>
+                                      </p:cBhvr>
+                                      <p:to>
+                                        <p:strVal val="visible"/>
+                                      </p:to>
+                                    </p:set>
+                                    <p:animEffect transition="in" filter="wipe(down)">
+                                      <p:cBhvr>
+                                        <p:cTn id="16" dur="500"/>
+                                        <p:tgtEl>
+                                          <p:spTgt spid="7"/>
+                                        </p:tgtEl>
+                                      </p:cBhvr>
+                                    </p:animEffect>
+                                  </p:childTnLst>
+                                </p:cTn>
+                              </p:par>
+                              <p:par>
+                                <p:cTn id="17" presetID="22" presetClass="entr" presetSubtype="4" fill="hold" grpId="0" nodeType="withEffect">
+                                  <p:stCondLst>
+                                    <p:cond delay="0"/>
+                                  </p:stCondLst>
+                                  <p:childTnLst>
+                                    <p:set>
+                                      <p:cBhvr>
+                                        <p:cTn id="18" dur="1" fill="hold">
+                                          <p:stCondLst>
+                                            <p:cond delay="0"/>
+                                          </p:stCondLst>
+                                        </p:cTn>
+                                        <p:tgtEl>
+                                          <p:spTgt spid="8"/>
+                                        </p:tgtEl>
+                                        <p:attrNameLst>
+                                          <p:attrName>style.visibility</p:attrName>
+                                        </p:attrNameLst>
+                                      </p:cBhvr>
+                                      <p:to>
+                                        <p:strVal val="visible"/>
+                                      </p:to>
+                                    </p:set>
+                                    <p:animEffect transition="in" filter="wipe(down)">
+                                      <p:cBhvr>
+                                        <p:cTn id="19" dur="500"/>
+                                        <p:tgtEl>
+                                          <p:spTgt spid="8"/>
+                                        </p:tgtEl>
+                                      </p:cBhvr>
+                                    </p:animEffect>
+                                  </p:childTnLst>
+                                </p:cTn>
+                              </p:par>
+                              <p:par>
+                                <p:cTn id="20" presetID="22" presetClass="entr" presetSubtype="4" fill="hold" grpId="0" nodeType="withEffect">
+                                  <p:stCondLst>
+                                    <p:cond delay="0"/>
+                                  </p:stCondLst>
+                                  <p:childTnLst>
+                                    <p:set>
+                                      <p:cBhvr>
+                                        <p:cTn id="21" dur="1" fill="hold">
+                                          <p:stCondLst>
+                                            <p:cond delay="0"/>
+                                          </p:stCondLst>
+                                        </p:cTn>
+                                        <p:tgtEl>
+                                          <p:spTgt spid="9"/>
+                                        </p:tgtEl>
+                                        <p:attrNameLst>
+                                          <p:attrName>style.visibility</p:attrName>
+                                        </p:attrNameLst>
+                                      </p:cBhvr>
+                                      <p:to>
+                                        <p:strVal val="visible"/>
+                                      </p:to>
+                                    </p:set>
+                                    <p:animEffect transition="in" filter="wipe(down)">
+                                      <p:cBhvr>
+                                        <p:cTn id="22" dur="500"/>
+                                        <p:tgtEl>
+                                          <p:spTgt spid="9"/>
+                                        </p:tgtEl>
+                                      </p:cBhvr>
+                                    </p:animEffect>
+                                  </p:childTnLst>
+                                </p:cTn>
+                              </p:par>
+                              <p:par>
+                                <p:cTn id="23" presetID="22" presetClass="entr" presetSubtype="4" fill="hold" grpId="0" nodeType="withEffect">
+                                  <p:stCondLst>
+                                    <p:cond delay="0"/>
+                                  </p:stCondLst>
+                                  <p:childTnLst>
+                                    <p:set>
+                                      <p:cBhvr>
+                                        <p:cTn id="24" dur="1" fill="hold">
+                                          <p:stCondLst>
+                                            <p:cond delay="0"/>
+                                          </p:stCondLst>
+                                        </p:cTn>
+                                        <p:tgtEl>
+                                          <p:spTgt spid="10"/>
+                                        </p:tgtEl>
+                                        <p:attrNameLst>
+                                          <p:attrName>style.visibility</p:attrName>
+                                        </p:attrNameLst>
+                                      </p:cBhvr>
+                                      <p:to>
+                                        <p:strVal val="visible"/>
+                                      </p:to>
+                                    </p:set>
+                                    <p:animEffect transition="in" filter="wipe(down)">
+                                      <p:cBhvr>
+                                        <p:cTn id="25" dur="500"/>
+                                        <p:tgtEl>
+                                          <p:spTgt spid="10"/>
+                                        </p:tgtEl>
+                                      </p:cBhvr>
+                                    </p:animEffect>
+                                  </p:childTnLst>
+                                </p:cTn>
+                              </p:par>
+                              <p:par>
+                                <p:cTn id="26" presetID="22" presetClass="entr" presetSubtype="4" fill="hold" grpId="0" nodeType="withEffect">
+                                  <p:stCondLst>
+                                    <p:cond delay="0"/>
+                                  </p:stCondLst>
+                                  <p:childTnLst>
+                                    <p:set>
+                                      <p:cBhvr>
+                                        <p:cTn id="27" dur="1" fill="hold">
+                                          <p:stCondLst>
+                                            <p:cond delay="0"/>
+                                          </p:stCondLst>
+                                        </p:cTn>
+                                        <p:tgtEl>
+                                          <p:spTgt spid="11"/>
+                                        </p:tgtEl>
+                                        <p:attrNameLst>
+                                          <p:attrName>style.visibility</p:attrName>
+                                        </p:attrNameLst>
+                                      </p:cBhvr>
+                                      <p:to>
+                                        <p:strVal val="visible"/>
+                                      </p:to>
+                                    </p:set>
+                                    <p:animEffect transition="in" filter="wipe(down)">
+                                      <p:cBhvr>
+                                        <p:cTn id="28" dur="500"/>
+                                        <p:tgtEl>
+                                          <p:spTgt spid="11"/>
+                                        </p:tgtEl>
+                                      </p:cBhvr>
+                                    </p:animEffect>
+                                  </p:childTnLst>
+                                </p:cTn>
+                              </p:par>
+                              <p:par>
+                                <p:cTn id="29" presetID="22" presetClass="entr" presetSubtype="4" fill="hold" grpId="0" nodeType="withEffect">
+                                  <p:stCondLst>
+                                    <p:cond delay="0"/>
+                                  </p:stCondLst>
+                                  <p:childTnLst>
+                                    <p:set>
+                                      <p:cBhvr>
+                                        <p:cTn id="30" dur="1" fill="hold">
+                                          <p:stCondLst>
+                                            <p:cond delay="0"/>
+                                          </p:stCondLst>
+                                        </p:cTn>
+                                        <p:tgtEl>
+                                          <p:spTgt spid="12"/>
+                                        </p:tgtEl>
+                                        <p:attrNameLst>
+                                          <p:attrName>style.visibility</p:attrName>
+                                        </p:attrNameLst>
+                                      </p:cBhvr>
+                                      <p:to>
+                                        <p:strVal val="visible"/>
+                                      </p:to>
+                                    </p:set>
+                                    <p:animEffect transition="in" filter="wipe(down)">
+                                      <p:cBhvr>
+                                        <p:cTn id="31" dur="500"/>
+                                        <p:tgtEl>
+                                          <p:spTgt spid="12"/>
+                                        </p:tgtEl>
+                                      </p:cBhvr>
+                                    </p:animEffect>
+                                  </p:childTnLst>
+                                </p:cTn>
+                              </p:par>
+                            </p:childTnLst>
+                          </p:cTn>
+                        </p:par>
+                      </p:childTnLst>
+                    </p:cTn>
+                  </p:par>
+                </p:childTnLst>
+              </p:cTn>
+              <p:prevCondLst>
+                <p:cond evt="onPrev" delay="0">
+                  <p:tgtEl>
+                    <p:sldTgt/>
+                  </p:tgtEl>
+                </p:cond>
+              </p:prevCondLst>
+              <p:nextCondLst>
+                <p:cond evt="onNext" delay="0">
+                  <p:tgtEl>
+                    <p:sldTgt/>
+                  </p:tgtEl>
+                </p:cond>
+              </p:nextCondLst>
+            </p:seq>
+          </p:childTnLst>
+        </p:cTn>
       </p:par>
     </p:tnLst>
+    <p:bldLst>
+      <p:bldP spid="3" grpId="0"/>
+      <p:bldP spid="5" grpId="0"/>
+      <p:bldP spid="6" grpId="0"/>
+      <p:bldP spid="7" grpId="0"/>
+      <p:bldP spid="8" grpId="0"/>
+      <p:bldP spid="9" grpId="0"/>
+      <p:bldP spid="10" grpId="0"/>
+      <p:bldP spid="11" grpId="0"/>
+      <p:bldP spid="12" grpId="0"/>
+    </p:bldLst>
   </p:timing>
 </p:sld>
 </file>
@@ -8463,12 +9297,8 @@
           <a:lstStyle/>
           <a:p>
             <a:r>
-              <a:rPr lang="de-DE" dirty="0" smtClean="0"/>
-              <a:t>Physik-</a:t>
-            </a:r>
-            <a:r>
               <a:rPr lang="de-DE" dirty="0" err="1" smtClean="0"/>
-              <a:t>engine</a:t>
+              <a:t>Bilotheken</a:t>
             </a:r>
             <a:endParaRPr lang="en-GB" dirty="0"/>
           </a:p>
@@ -8489,14 +9319,127 @@
           <a:bodyPr/>
           <a:lstStyle/>
           <a:p>
+            <a:r>
+              <a:rPr lang="de-DE" cap="none" dirty="0" smtClean="0">
+                <a:latin typeface="Arial" panose="020B0604020202020204" pitchFamily="34" charset="0"/>
+              </a:rPr>
+              <a:t>QGraphicsPixmapItem</a:t>
+            </a:r>
+          </a:p>
+          <a:p>
+            <a:r>
+              <a:rPr lang="de-DE" cap="none" dirty="0" err="1" smtClean="0">
+                <a:latin typeface="Arial" panose="020B0604020202020204" pitchFamily="34" charset="0"/>
+              </a:rPr>
+              <a:t>QGraphicsScene</a:t>
+            </a:r>
+            <a:r>
+              <a:rPr lang="de-DE" cap="none" dirty="0" smtClean="0">
+                <a:latin typeface="Arial" panose="020B0604020202020204" pitchFamily="34" charset="0"/>
+              </a:rPr>
+              <a:t> / </a:t>
+            </a:r>
+            <a:r>
+              <a:rPr lang="de-DE" cap="none" dirty="0" err="1" smtClean="0">
+                <a:latin typeface="Arial" panose="020B0604020202020204" pitchFamily="34" charset="0"/>
+              </a:rPr>
+              <a:t>QGraphicView</a:t>
+            </a:r>
+            <a:endParaRPr lang="de-DE" cap="none" dirty="0" smtClean="0">
+              <a:latin typeface="Arial" panose="020B0604020202020204" pitchFamily="34" charset="0"/>
+            </a:endParaRPr>
+          </a:p>
+          <a:p>
+            <a:r>
+              <a:rPr lang="de-DE" cap="none" dirty="0" err="1" smtClean="0">
+                <a:latin typeface="Arial" panose="020B0604020202020204" pitchFamily="34" charset="0"/>
+              </a:rPr>
+              <a:t>QTimer</a:t>
+            </a:r>
+            <a:endParaRPr lang="de-DE" cap="none" dirty="0">
+              <a:latin typeface="Arial" panose="020B0604020202020204" pitchFamily="34" charset="0"/>
+            </a:endParaRPr>
+          </a:p>
+          <a:p>
+            <a:pPr lvl="1"/>
+            <a:r>
+              <a:rPr lang="de-DE" cap="none" dirty="0" smtClean="0">
+                <a:latin typeface="Arial" panose="020B0604020202020204" pitchFamily="34" charset="0"/>
+              </a:rPr>
+              <a:t>Taktrate</a:t>
+            </a:r>
+          </a:p>
+          <a:p>
+            <a:pPr lvl="1"/>
+            <a:r>
+              <a:rPr lang="de-DE" cap="none" dirty="0" smtClean="0">
+                <a:latin typeface="Arial" panose="020B0604020202020204" pitchFamily="34" charset="0"/>
+              </a:rPr>
+              <a:t>Schusseinschränkungen, Effekte</a:t>
+            </a:r>
+          </a:p>
+          <a:p>
+            <a:r>
+              <a:rPr lang="de-DE" cap="none" dirty="0" err="1" smtClean="0">
+                <a:latin typeface="Arial" panose="020B0604020202020204" pitchFamily="34" charset="0"/>
+              </a:rPr>
+              <a:t>Qobject</a:t>
+            </a:r>
+            <a:endParaRPr lang="de-DE" cap="none" dirty="0" smtClean="0">
+              <a:latin typeface="Arial" panose="020B0604020202020204" pitchFamily="34" charset="0"/>
+            </a:endParaRPr>
+          </a:p>
+          <a:p>
+            <a:pPr lvl="1"/>
+            <a:r>
+              <a:rPr lang="de-DE" cap="none" dirty="0" smtClean="0">
+                <a:latin typeface="Arial" panose="020B0604020202020204" pitchFamily="34" charset="0"/>
+              </a:rPr>
+              <a:t>Signals und Slots</a:t>
+            </a:r>
+            <a:endParaRPr lang="de-DE" cap="none" dirty="0">
+              <a:latin typeface="Arial" panose="020B0604020202020204" pitchFamily="34" charset="0"/>
+            </a:endParaRPr>
+          </a:p>
+          <a:p>
             <a:endParaRPr lang="en-GB" dirty="0"/>
           </a:p>
         </p:txBody>
       </p:sp>
+      <p:pic>
+        <p:nvPicPr>
+          <p:cNvPr id="4" name="Grafik 3"/>
+          <p:cNvPicPr>
+            <a:picLocks noChangeAspect="1"/>
+          </p:cNvPicPr>
+          <p:nvPr/>
+        </p:nvPicPr>
+        <p:blipFill>
+          <a:blip r:embed="rId2" cstate="print">
+            <a:extLst>
+              <a:ext uri="{28A0092B-C50C-407E-A947-70E740481C1C}">
+                <a14:useLocalDpi xmlns:a14="http://schemas.microsoft.com/office/drawing/2010/main" val="0"/>
+              </a:ext>
+            </a:extLst>
+          </a:blip>
+          <a:stretch>
+            <a:fillRect/>
+          </a:stretch>
+        </p:blipFill>
+        <p:spPr>
+          <a:xfrm>
+            <a:off x="6594469" y="1261782"/>
+            <a:ext cx="5128352" cy="2745805"/>
+          </a:xfrm>
+          <a:prstGeom prst="rect">
+            <a:avLst/>
+          </a:prstGeom>
+        </p:spPr>
+      </p:pic>
     </p:spTree>
     <p:extLst>
       <p:ext uri="{BB962C8B-B14F-4D97-AF65-F5344CB8AC3E}">
-        <p14:creationId xmlns:p14="http://schemas.microsoft.com/office/powerpoint/2010/main" val="3295824945"/>
+        <p14:creationId xmlns:p14="http://schemas.microsoft.com/office/powerpoint/2010/main" val="3785920026"/>
       </p:ext>
     </p:extLst>
   </p:cSld>
@@ -8542,7 +9485,7 @@
         </p:nvSpPr>
         <p:spPr>
           <a:xfrm>
-            <a:off x="179174" y="154460"/>
+            <a:off x="683626" y="573912"/>
             <a:ext cx="10396882" cy="1151965"/>
           </a:xfrm>
         </p:spPr>
@@ -8552,7 +9495,11 @@
           <a:p>
             <a:r>
               <a:rPr lang="de-DE" dirty="0" smtClean="0"/>
-              <a:t>Probleme &amp; Lösungen</a:t>
+              <a:t>Physik-</a:t>
+            </a:r>
+            <a:r>
+              <a:rPr lang="de-DE" dirty="0" err="1" smtClean="0"/>
+              <a:t>engine</a:t>
             </a:r>
             <a:endParaRPr lang="en-GB" dirty="0"/>
           </a:p>
@@ -8570,105 +9517,218 @@
         </p:nvSpPr>
         <p:spPr>
           <a:xfrm>
-            <a:off x="463378" y="1173710"/>
-            <a:ext cx="10394707" cy="4386831"/>
-          </a:xfrm>
-        </p:spPr>
-        <p:txBody>
-          <a:bodyPr/>
+            <a:off x="685801" y="1828801"/>
+            <a:ext cx="10394707" cy="4300152"/>
+          </a:xfrm>
+        </p:spPr>
+        <p:txBody>
+          <a:bodyPr>
+            <a:normAutofit/>
+          </a:bodyPr>
           <a:lstStyle/>
           <a:p>
             <a:r>
-              <a:rPr lang="de-DE" dirty="0" smtClean="0"/>
-              <a:t>Eigene Physik Engine</a:t>
+              <a:rPr lang="de-DE" cap="none" dirty="0" err="1" smtClean="0">
+                <a:latin typeface="Arial" panose="020B0604020202020204" pitchFamily="34" charset="0"/>
+              </a:rPr>
+              <a:t>QGraphicPixmapItem</a:t>
+            </a:r>
+            <a:r>
+              <a:rPr lang="de-DE" cap="none" dirty="0" smtClean="0">
+                <a:latin typeface="Arial" panose="020B0604020202020204" pitchFamily="34" charset="0"/>
+              </a:rPr>
+              <a:t>::</a:t>
+            </a:r>
+            <a:r>
+              <a:rPr lang="de-DE" cap="none" dirty="0" err="1" smtClean="0">
+                <a:latin typeface="Arial" panose="020B0604020202020204" pitchFamily="34" charset="0"/>
+              </a:rPr>
+              <a:t>collidingItems</a:t>
+            </a:r>
+            <a:r>
+              <a:rPr lang="de-DE" cap="none" dirty="0" smtClean="0">
+                <a:latin typeface="Arial" panose="020B0604020202020204" pitchFamily="34" charset="0"/>
+              </a:rPr>
+              <a:t>()</a:t>
             </a:r>
           </a:p>
           <a:p>
             <a:pPr lvl="1"/>
             <a:r>
-              <a:rPr lang="de-DE" dirty="0" smtClean="0"/>
-              <a:t>Runde Welt (Viele Koordinatentransformationen</a:t>
-            </a:r>
+              <a:rPr lang="de-DE" cap="none" dirty="0" err="1" smtClean="0">
+                <a:latin typeface="Arial" panose="020B0604020202020204" pitchFamily="34" charset="0"/>
+              </a:rPr>
+              <a:t>CollideWithUnit</a:t>
+            </a:r>
+            <a:r>
+              <a:rPr lang="de-DE" cap="none" dirty="0" smtClean="0">
+                <a:latin typeface="Arial" panose="020B0604020202020204" pitchFamily="34" charset="0"/>
+              </a:rPr>
+              <a:t>() / </a:t>
+            </a:r>
+            <a:r>
+              <a:rPr lang="de-DE" cap="none" dirty="0" err="1" smtClean="0">
+                <a:latin typeface="Arial" panose="020B0604020202020204" pitchFamily="34" charset="0"/>
+              </a:rPr>
+              <a:t>CollideWithTerrain</a:t>
+            </a:r>
+            <a:r>
+              <a:rPr lang="de-DE" cap="none" dirty="0" smtClean="0">
+                <a:latin typeface="Arial" panose="020B0604020202020204" pitchFamily="34" charset="0"/>
+              </a:rPr>
+              <a:t>()</a:t>
+            </a:r>
+            <a:endParaRPr lang="de-DE" cap="none" dirty="0" smtClean="0">
+              <a:latin typeface="Arial" panose="020B0604020202020204" pitchFamily="34" charset="0"/>
+            </a:endParaRPr>
+          </a:p>
+          <a:p>
+            <a:pPr lvl="2"/>
+            <a:r>
+              <a:rPr lang="de-DE" cap="none" dirty="0" smtClean="0">
+                <a:latin typeface="Arial" panose="020B0604020202020204" pitchFamily="34" charset="0"/>
+              </a:rPr>
+              <a:t>Impulserhaltung und Stöße</a:t>
+            </a:r>
+          </a:p>
+          <a:p>
+            <a:pPr lvl="2"/>
+            <a:r>
+              <a:rPr lang="de-DE" cap="none" dirty="0" smtClean="0">
+                <a:latin typeface="Arial" panose="020B0604020202020204" pitchFamily="34" charset="0"/>
+              </a:rPr>
+              <a:t>Treffer </a:t>
+            </a:r>
+            <a:r>
+              <a:rPr lang="de-DE" cap="none" dirty="0">
+                <a:latin typeface="Arial" panose="020B0604020202020204" pitchFamily="34" charset="0"/>
+              </a:rPr>
+              <a:t>und </a:t>
+            </a:r>
+            <a:r>
+              <a:rPr lang="de-DE" cap="none" dirty="0" smtClean="0">
+                <a:latin typeface="Arial" panose="020B0604020202020204" pitchFamily="34" charset="0"/>
+              </a:rPr>
+              <a:t>Schadensberechnung</a:t>
+            </a:r>
+            <a:endParaRPr lang="de-DE" cap="none" dirty="0" smtClean="0">
+              <a:latin typeface="Arial" panose="020B0604020202020204" pitchFamily="34" charset="0"/>
+            </a:endParaRPr>
+          </a:p>
+          <a:p>
+            <a:r>
+              <a:rPr lang="de-DE" cap="none" dirty="0" err="1" smtClean="0">
+                <a:latin typeface="Arial" panose="020B0604020202020204" pitchFamily="34" charset="0"/>
+              </a:rPr>
+              <a:t>QTimer</a:t>
+            </a:r>
+            <a:endParaRPr lang="de-DE" cap="none" dirty="0" smtClean="0">
+              <a:latin typeface="Arial" panose="020B0604020202020204" pitchFamily="34" charset="0"/>
+            </a:endParaRPr>
           </a:p>
           <a:p>
             <a:pPr lvl="1"/>
             <a:r>
-              <a:rPr lang="de-DE" dirty="0" smtClean="0"/>
-              <a:t>Orientierung, Drehung und Stabilisation</a:t>
-            </a:r>
-          </a:p>
-          <a:p>
-            <a:r>
-              <a:rPr lang="de-DE" dirty="0" smtClean="0"/>
-              <a:t>Kollisionsprobleme durch Taktung</a:t>
-            </a:r>
-          </a:p>
-          <a:p>
-            <a:pPr lvl="1"/>
-            <a:r>
-              <a:rPr lang="de-DE" dirty="0" smtClean="0"/>
-              <a:t>Runde Oberfläche/</a:t>
-            </a:r>
-            <a:r>
-              <a:rPr lang="de-DE" dirty="0" err="1" smtClean="0"/>
-              <a:t>Pixmaps</a:t>
-            </a:r>
-            <a:endParaRPr lang="de-DE" dirty="0" smtClean="0"/>
-          </a:p>
-          <a:p>
-            <a:pPr lvl="1"/>
-            <a:r>
-              <a:rPr lang="de-DE" dirty="0" smtClean="0"/>
-              <a:t>Keine </a:t>
-            </a:r>
-            <a:r>
-              <a:rPr lang="de-DE" dirty="0" err="1" smtClean="0"/>
-              <a:t>rechnung</a:t>
-            </a:r>
-            <a:r>
-              <a:rPr lang="de-DE" dirty="0" smtClean="0"/>
-              <a:t> mit </a:t>
-            </a:r>
-            <a:r>
-              <a:rPr lang="de-DE" dirty="0" err="1" smtClean="0"/>
-              <a:t>invertierung</a:t>
-            </a:r>
-            <a:r>
-              <a:rPr lang="de-DE" dirty="0" smtClean="0"/>
-              <a:t> möglich</a:t>
-            </a:r>
-          </a:p>
-          <a:p>
-            <a:r>
-              <a:rPr lang="de-DE" dirty="0" err="1" smtClean="0"/>
-              <a:t>Cyclic</a:t>
-            </a:r>
-            <a:r>
-              <a:rPr lang="de-DE" dirty="0" smtClean="0"/>
+              <a:rPr lang="de-DE" cap="none" dirty="0">
+                <a:latin typeface="Arial" panose="020B0604020202020204" pitchFamily="34" charset="0"/>
+              </a:rPr>
+              <a:t>Move</a:t>
+            </a:r>
+            <a:r>
+              <a:rPr lang="de-DE" cap="none" dirty="0" smtClean="0">
+                <a:latin typeface="Arial" panose="020B0604020202020204" pitchFamily="34" charset="0"/>
+              </a:rPr>
+              <a:t>()</a:t>
+            </a:r>
+          </a:p>
+          <a:p>
+            <a:pPr lvl="2"/>
+            <a:r>
+              <a:rPr lang="de-DE" cap="none" dirty="0" smtClean="0">
+                <a:latin typeface="Arial" panose="020B0604020202020204" pitchFamily="34" charset="0"/>
+              </a:rPr>
               <a:t> </a:t>
             </a:r>
             <a:r>
-              <a:rPr lang="de-DE" dirty="0" err="1" smtClean="0"/>
-              <a:t>Inheritence</a:t>
-            </a:r>
-            <a:r>
-              <a:rPr lang="de-DE" dirty="0" smtClean="0"/>
-              <a:t> </a:t>
-            </a:r>
-          </a:p>
-          <a:p>
-            <a:r>
-              <a:rPr lang="de-DE" dirty="0" smtClean="0"/>
-              <a:t>Settings und Statische Werte</a:t>
-            </a:r>
+              <a:rPr lang="de-DE" cap="none" dirty="0">
+                <a:latin typeface="Arial" panose="020B0604020202020204" pitchFamily="34" charset="0"/>
+              </a:rPr>
+              <a:t>Euler </a:t>
+            </a:r>
+            <a:r>
+              <a:rPr lang="de-DE" cap="none" dirty="0" smtClean="0">
+                <a:latin typeface="Arial" panose="020B0604020202020204" pitchFamily="34" charset="0"/>
+              </a:rPr>
+              <a:t>Methode</a:t>
+            </a:r>
+            <a:endParaRPr lang="de-DE" cap="none" dirty="0" smtClean="0">
+              <a:latin typeface="Arial" panose="020B0604020202020204" pitchFamily="34" charset="0"/>
+            </a:endParaRPr>
+          </a:p>
+          <a:p>
+            <a:pPr lvl="2"/>
+            <a:r>
+              <a:rPr lang="de-DE" cap="none" dirty="0" smtClean="0">
+                <a:latin typeface="Arial" panose="020B0604020202020204" pitchFamily="34" charset="0"/>
+              </a:rPr>
+              <a:t>Rotationsberechnungen</a:t>
+            </a:r>
+            <a:endParaRPr lang="de-DE" cap="none" dirty="0" smtClean="0">
+              <a:latin typeface="Arial" panose="020B0604020202020204" pitchFamily="34" charset="0"/>
+            </a:endParaRPr>
+          </a:p>
+          <a:p>
+            <a:r>
+              <a:rPr lang="de-DE" cap="none" dirty="0" smtClean="0">
+                <a:latin typeface="Arial" panose="020B0604020202020204" pitchFamily="34" charset="0"/>
+              </a:rPr>
+              <a:t>Koordinatentransformationen</a:t>
+            </a:r>
+            <a:endParaRPr lang="de-DE" cap="none" dirty="0">
+              <a:latin typeface="Arial" panose="020B0604020202020204" pitchFamily="34" charset="0"/>
+            </a:endParaRPr>
+          </a:p>
+          <a:p>
+            <a:pPr marL="0" indent="0">
+              <a:buNone/>
+            </a:pPr>
+            <a:endParaRPr lang="de-DE" cap="none" dirty="0" smtClean="0">
+              <a:latin typeface="Aaa"/>
+            </a:endParaRPr>
+          </a:p>
+          <a:p>
             <a:endParaRPr lang="en-GB" dirty="0"/>
           </a:p>
         </p:txBody>
       </p:sp>
+      <p:pic>
+        <p:nvPicPr>
+          <p:cNvPr id="4" name="Grafik 3"/>
+          <p:cNvPicPr>
+            <a:picLocks noChangeAspect="1"/>
+          </p:cNvPicPr>
+          <p:nvPr/>
+        </p:nvPicPr>
+        <p:blipFill>
+          <a:blip r:embed="rId2"/>
+          <a:stretch>
+            <a:fillRect/>
+          </a:stretch>
+        </p:blipFill>
+        <p:spPr>
+          <a:xfrm>
+            <a:off x="3618411" y="3583461"/>
+            <a:ext cx="2720734" cy="518984"/>
+          </a:xfrm>
+          <a:prstGeom prst="rect">
+            <a:avLst/>
+          </a:prstGeom>
+        </p:spPr>
+      </p:pic>
     </p:spTree>
     <p:extLst>
       <p:ext uri="{BB962C8B-B14F-4D97-AF65-F5344CB8AC3E}">
-        <p14:creationId xmlns:p14="http://schemas.microsoft.com/office/powerpoint/2010/main" val="1281520816"/>
+        <p14:creationId xmlns:p14="http://schemas.microsoft.com/office/powerpoint/2010/main" val="3295824945"/>
       </p:ext>
     </p:extLst>
   </p:cSld>

--- a/Docs/World war Jump Final.pptx
+++ b/Docs/World war Jump Final.pptx
@@ -578,7 +578,7 @@
           <a:p>
             <a:fld id="{BA857262-ED59-4341-97B6-5E275DFA924D}" type="datetimeFigureOut">
               <a:rPr lang="en-US" smtClean="0"/>
-              <a:t>6/27/2016</a:t>
+              <a:t>6/29/2016</a:t>
             </a:fld>
             <a:endParaRPr lang="en-US"/>
           </a:p>
@@ -910,7 +910,7 @@
           <a:p>
             <a:fld id="{BA857262-ED59-4341-97B6-5E275DFA924D}" type="datetimeFigureOut">
               <a:rPr lang="en-US" smtClean="0"/>
-              <a:t>6/27/2016</a:t>
+              <a:t>6/29/2016</a:t>
             </a:fld>
             <a:endParaRPr lang="en-US"/>
           </a:p>
@@ -1106,7 +1106,7 @@
           <a:p>
             <a:fld id="{BA857262-ED59-4341-97B6-5E275DFA924D}" type="datetimeFigureOut">
               <a:rPr lang="en-US" smtClean="0"/>
-              <a:t>6/27/2016</a:t>
+              <a:t>6/29/2016</a:t>
             </a:fld>
             <a:endParaRPr lang="en-US"/>
           </a:p>
@@ -1376,7 +1376,7 @@
           <a:p>
             <a:fld id="{BA857262-ED59-4341-97B6-5E275DFA924D}" type="datetimeFigureOut">
               <a:rPr lang="en-US" smtClean="0"/>
-              <a:t>6/27/2016</a:t>
+              <a:t>6/29/2016</a:t>
             </a:fld>
             <a:endParaRPr lang="en-US"/>
           </a:p>
@@ -1804,7 +1804,7 @@
           <a:p>
             <a:fld id="{BA857262-ED59-4341-97B6-5E275DFA924D}" type="datetimeFigureOut">
               <a:rPr lang="en-US" smtClean="0"/>
-              <a:t>6/27/2016</a:t>
+              <a:t>6/29/2016</a:t>
             </a:fld>
             <a:endParaRPr lang="en-US"/>
           </a:p>
@@ -2354,7 +2354,7 @@
           <a:p>
             <a:fld id="{BA857262-ED59-4341-97B6-5E275DFA924D}" type="datetimeFigureOut">
               <a:rPr lang="en-US" smtClean="0"/>
-              <a:t>6/27/2016</a:t>
+              <a:t>6/29/2016</a:t>
             </a:fld>
             <a:endParaRPr lang="en-US"/>
           </a:p>
@@ -3144,7 +3144,7 @@
           <a:p>
             <a:fld id="{BA857262-ED59-4341-97B6-5E275DFA924D}" type="datetimeFigureOut">
               <a:rPr lang="en-US" smtClean="0"/>
-              <a:t>6/27/2016</a:t>
+              <a:t>6/29/2016</a:t>
             </a:fld>
             <a:endParaRPr lang="en-US"/>
           </a:p>
@@ -3323,7 +3323,7 @@
           <a:p>
             <a:fld id="{BA857262-ED59-4341-97B6-5E275DFA924D}" type="datetimeFigureOut">
               <a:rPr lang="en-US" smtClean="0"/>
-              <a:t>6/27/2016</a:t>
+              <a:t>6/29/2016</a:t>
             </a:fld>
             <a:endParaRPr lang="en-US"/>
           </a:p>
@@ -3507,7 +3507,7 @@
           <a:p>
             <a:fld id="{BA857262-ED59-4341-97B6-5E275DFA924D}" type="datetimeFigureOut">
               <a:rPr lang="en-US" smtClean="0"/>
-              <a:t>6/27/2016</a:t>
+              <a:t>6/29/2016</a:t>
             </a:fld>
             <a:endParaRPr lang="en-US"/>
           </a:p>
@@ -3682,7 +3682,7 @@
           <a:p>
             <a:fld id="{BA857262-ED59-4341-97B6-5E275DFA924D}" type="datetimeFigureOut">
               <a:rPr lang="en-US" smtClean="0"/>
-              <a:t>6/27/2016</a:t>
+              <a:t>6/29/2016</a:t>
             </a:fld>
             <a:endParaRPr lang="en-US"/>
           </a:p>
@@ -3932,7 +3932,7 @@
           <a:p>
             <a:fld id="{BA857262-ED59-4341-97B6-5E275DFA924D}" type="datetimeFigureOut">
               <a:rPr lang="en-US" smtClean="0"/>
-              <a:t>6/27/2016</a:t>
+              <a:t>6/29/2016</a:t>
             </a:fld>
             <a:endParaRPr lang="en-US"/>
           </a:p>
@@ -4169,7 +4169,7 @@
           <a:p>
             <a:fld id="{BA857262-ED59-4341-97B6-5E275DFA924D}" type="datetimeFigureOut">
               <a:rPr lang="en-US" smtClean="0"/>
-              <a:t>6/27/2016</a:t>
+              <a:t>6/29/2016</a:t>
             </a:fld>
             <a:endParaRPr lang="en-US"/>
           </a:p>
@@ -4554,7 +4554,7 @@
           <a:p>
             <a:fld id="{BA857262-ED59-4341-97B6-5E275DFA924D}" type="datetimeFigureOut">
               <a:rPr lang="en-US" smtClean="0"/>
-              <a:t>6/27/2016</a:t>
+              <a:t>6/29/2016</a:t>
             </a:fld>
             <a:endParaRPr lang="en-US"/>
           </a:p>
@@ -4672,7 +4672,7 @@
           <a:p>
             <a:fld id="{BA857262-ED59-4341-97B6-5E275DFA924D}" type="datetimeFigureOut">
               <a:rPr lang="en-US" smtClean="0"/>
-              <a:t>6/27/2016</a:t>
+              <a:t>6/29/2016</a:t>
             </a:fld>
             <a:endParaRPr lang="en-US"/>
           </a:p>
@@ -4767,7 +4767,7 @@
           <a:p>
             <a:fld id="{BA857262-ED59-4341-97B6-5E275DFA924D}" type="datetimeFigureOut">
               <a:rPr lang="en-US" smtClean="0"/>
-              <a:t>6/27/2016</a:t>
+              <a:t>6/29/2016</a:t>
             </a:fld>
             <a:endParaRPr lang="en-US"/>
           </a:p>
@@ -5020,7 +5020,7 @@
           <a:p>
             <a:fld id="{BA857262-ED59-4341-97B6-5E275DFA924D}" type="datetimeFigureOut">
               <a:rPr lang="en-US" smtClean="0"/>
-              <a:t>6/27/2016</a:t>
+              <a:t>6/29/2016</a:t>
             </a:fld>
             <a:endParaRPr lang="en-US"/>
           </a:p>
@@ -5289,7 +5289,7 @@
           <a:p>
             <a:fld id="{BA857262-ED59-4341-97B6-5E275DFA924D}" type="datetimeFigureOut">
               <a:rPr lang="en-US" smtClean="0"/>
-              <a:t>6/27/2016</a:t>
+              <a:t>6/29/2016</a:t>
             </a:fld>
             <a:endParaRPr lang="en-US"/>
           </a:p>
@@ -5692,7 +5692,7 @@
           <a:p>
             <a:fld id="{BA857262-ED59-4341-97B6-5E275DFA924D}" type="datetimeFigureOut">
               <a:rPr lang="en-US" smtClean="0"/>
-              <a:t>6/27/2016</a:t>
+              <a:t>6/29/2016</a:t>
             </a:fld>
             <a:endParaRPr lang="en-US"/>
           </a:p>
@@ -6695,36 +6695,18 @@
                 <a:latin typeface="Arial" panose="020B0604020202020204" pitchFamily="34" charset="0"/>
                 <a:cs typeface="Arial" panose="020B0604020202020204" pitchFamily="34" charset="0"/>
               </a:rPr>
-              <a:t>Eigene </a:t>
-            </a:r>
+              <a:t>Eigene Physik Engine</a:t>
+            </a:r>
+          </a:p>
+          <a:p>
+            <a:pPr lvl="1"/>
             <a:r>
               <a:rPr lang="de-DE" cap="none" dirty="0" smtClean="0">
                 <a:latin typeface="Arial" panose="020B0604020202020204" pitchFamily="34" charset="0"/>
                 <a:cs typeface="Arial" panose="020B0604020202020204" pitchFamily="34" charset="0"/>
               </a:rPr>
-              <a:t>Physik Engine</a:t>
-            </a:r>
-          </a:p>
-          <a:p>
-            <a:pPr lvl="1"/>
-            <a:r>
-              <a:rPr lang="de-DE" cap="none" dirty="0" smtClean="0">
-                <a:latin typeface="Arial" panose="020B0604020202020204" pitchFamily="34" charset="0"/>
-                <a:cs typeface="Arial" panose="020B0604020202020204" pitchFamily="34" charset="0"/>
-              </a:rPr>
-              <a:t>Runde Welt (Viele </a:t>
-            </a:r>
-            <a:r>
-              <a:rPr lang="de-DE" cap="none" dirty="0" smtClean="0">
-                <a:latin typeface="Arial" panose="020B0604020202020204" pitchFamily="34" charset="0"/>
-                <a:cs typeface="Arial" panose="020B0604020202020204" pitchFamily="34" charset="0"/>
-              </a:rPr>
-              <a:t>Koordinatentransformationen)</a:t>
-            </a:r>
-            <a:endParaRPr lang="de-DE" cap="none" dirty="0" smtClean="0">
-              <a:latin typeface="Arial" panose="020B0604020202020204" pitchFamily="34" charset="0"/>
-              <a:cs typeface="Arial" panose="020B0604020202020204" pitchFamily="34" charset="0"/>
-            </a:endParaRPr>
+              <a:t>Runde Welt (Viele Koordinatentransformationen)</a:t>
+            </a:r>
           </a:p>
           <a:p>
             <a:pPr lvl="1"/>
@@ -6787,14 +6769,7 @@
                 <a:latin typeface="Arial" panose="020B0604020202020204" pitchFamily="34" charset="0"/>
                 <a:cs typeface="Arial" panose="020B0604020202020204" pitchFamily="34" charset="0"/>
               </a:rPr>
-              <a:t>echnung </a:t>
-            </a:r>
-            <a:r>
-              <a:rPr lang="de-DE" cap="none" dirty="0" smtClean="0">
-                <a:latin typeface="Arial" panose="020B0604020202020204" pitchFamily="34" charset="0"/>
-                <a:cs typeface="Arial" panose="020B0604020202020204" pitchFamily="34" charset="0"/>
-              </a:rPr>
-              <a:t>mit </a:t>
+              <a:t>echnung mit </a:t>
             </a:r>
             <a:r>
               <a:rPr lang="de-DE" cap="none" dirty="0">
@@ -6808,14 +6783,7 @@
                 <a:latin typeface="Arial" panose="020B0604020202020204" pitchFamily="34" charset="0"/>
                 <a:cs typeface="Arial" panose="020B0604020202020204" pitchFamily="34" charset="0"/>
               </a:rPr>
-              <a:t>nvertierung </a:t>
-            </a:r>
-            <a:r>
-              <a:rPr lang="de-DE" cap="none" dirty="0" smtClean="0">
-                <a:latin typeface="Arial" panose="020B0604020202020204" pitchFamily="34" charset="0"/>
-                <a:cs typeface="Arial" panose="020B0604020202020204" pitchFamily="34" charset="0"/>
-              </a:rPr>
-              <a:t>möglich</a:t>
+              <a:t>nvertierung möglich</a:t>
             </a:r>
           </a:p>
           <a:p>
@@ -7099,6 +7067,36 @@
           </a:p>
         </p:txBody>
       </p:sp>
+      <p:pic>
+        <p:nvPicPr>
+          <p:cNvPr id="8" name="Grafik 7"/>
+          <p:cNvPicPr>
+            <a:picLocks noChangeAspect="1"/>
+          </p:cNvPicPr>
+          <p:nvPr/>
+        </p:nvPicPr>
+        <p:blipFill>
+          <a:blip r:embed="rId4">
+            <a:extLst>
+              <a:ext uri="{28A0092B-C50C-407E-A947-70E740481C1C}">
+                <a14:useLocalDpi xmlns:a14="http://schemas.microsoft.com/office/drawing/2010/main" val="0"/>
+              </a:ext>
+            </a:extLst>
+          </a:blip>
+          <a:stretch>
+            <a:fillRect/>
+          </a:stretch>
+        </p:blipFill>
+        <p:spPr>
+          <a:xfrm>
+            <a:off x="369599" y="5745524"/>
+            <a:ext cx="3631336" cy="888740"/>
+          </a:xfrm>
+          <a:prstGeom prst="rect">
+            <a:avLst/>
+          </a:prstGeom>
+        </p:spPr>
+      </p:pic>
     </p:spTree>
     <p:extLst>
       <p:ext uri="{BB962C8B-B14F-4D97-AF65-F5344CB8AC3E}">
@@ -7322,19 +7320,7 @@
               <a:rPr lang="de-DE" cap="none" dirty="0" smtClean="0">
                 <a:latin typeface="Arial" panose="020B0604020202020204" pitchFamily="34" charset="0"/>
               </a:rPr>
-              <a:t>2 </a:t>
-            </a:r>
-            <a:r>
-              <a:rPr lang="de-DE" cap="none" dirty="0" smtClean="0">
-                <a:latin typeface="Arial" panose="020B0604020202020204" pitchFamily="34" charset="0"/>
-              </a:rPr>
-              <a:t>Treffen </a:t>
-            </a:r>
-            <a:r>
-              <a:rPr lang="de-DE" cap="none" dirty="0" smtClean="0">
-                <a:latin typeface="Arial" panose="020B0604020202020204" pitchFamily="34" charset="0"/>
-              </a:rPr>
-              <a:t>pro Woche je 3-5 Stunden</a:t>
+              <a:t>2 Treffen pro Woche je 3-5 Stunden</a:t>
             </a:r>
           </a:p>
           <a:p>
@@ -7355,9 +7341,6 @@
               </a:rPr>
               <a:t>Aufgabenprotokolle</a:t>
             </a:r>
-            <a:endParaRPr lang="de-DE" cap="none" dirty="0" smtClean="0">
-              <a:latin typeface="Arial" panose="020B0604020202020204" pitchFamily="34" charset="0"/>
-            </a:endParaRPr>
           </a:p>
           <a:p>
             <a:endParaRPr lang="en-GB" dirty="0"/>
@@ -8006,21 +7989,21 @@
                 <a:gridCol w="3649215">
                   <a:extLst>
                     <a:ext uri="{9D8B030D-6E8A-4147-A177-3AD203B41FA5}">
-                      <a16:colId xmlns="" xmlns:a16="http://schemas.microsoft.com/office/drawing/2014/main" val="4109560646"/>
+                      <a16:colId xmlns:a16="http://schemas.microsoft.com/office/drawing/2014/main" xmlns="" val="4109560646"/>
                     </a:ext>
                   </a:extLst>
                 </a:gridCol>
                 <a:gridCol w="3563352">
                   <a:extLst>
                     <a:ext uri="{9D8B030D-6E8A-4147-A177-3AD203B41FA5}">
-                      <a16:colId xmlns="" xmlns:a16="http://schemas.microsoft.com/office/drawing/2014/main" val="3126977587"/>
+                      <a16:colId xmlns:a16="http://schemas.microsoft.com/office/drawing/2014/main" xmlns="" val="3126977587"/>
                     </a:ext>
                   </a:extLst>
                 </a:gridCol>
                 <a:gridCol w="3434556">
                   <a:extLst>
                     <a:ext uri="{9D8B030D-6E8A-4147-A177-3AD203B41FA5}">
-                      <a16:colId xmlns="" xmlns:a16="http://schemas.microsoft.com/office/drawing/2014/main" val="4028497896"/>
+                      <a16:colId xmlns:a16="http://schemas.microsoft.com/office/drawing/2014/main" xmlns="" val="4028497896"/>
                     </a:ext>
                   </a:extLst>
                 </a:gridCol>
@@ -8106,7 +8089,7 @@
                 </a:tc>
                 <a:extLst>
                   <a:ext uri="{0D108BD9-81ED-4DB2-BD59-A6C34878D82A}">
-                    <a16:rowId xmlns="" xmlns:a16="http://schemas.microsoft.com/office/drawing/2014/main" val="3880309050"/>
+                    <a16:rowId xmlns:a16="http://schemas.microsoft.com/office/drawing/2014/main" xmlns="" val="3880309050"/>
                   </a:ext>
                 </a:extLst>
               </a:tr>
@@ -8207,7 +8190,7 @@
                 </a:tc>
                 <a:extLst>
                   <a:ext uri="{0D108BD9-81ED-4DB2-BD59-A6C34878D82A}">
-                    <a16:rowId xmlns="" xmlns:a16="http://schemas.microsoft.com/office/drawing/2014/main" val="3540896550"/>
+                    <a16:rowId xmlns:a16="http://schemas.microsoft.com/office/drawing/2014/main" xmlns="" val="3540896550"/>
                   </a:ext>
                 </a:extLst>
               </a:tr>
@@ -8308,7 +8291,7 @@
                 </a:tc>
                 <a:extLst>
                   <a:ext uri="{0D108BD9-81ED-4DB2-BD59-A6C34878D82A}">
-                    <a16:rowId xmlns="" xmlns:a16="http://schemas.microsoft.com/office/drawing/2014/main" val="4067091879"/>
+                    <a16:rowId xmlns:a16="http://schemas.microsoft.com/office/drawing/2014/main" xmlns="" val="4067091879"/>
                   </a:ext>
                 </a:extLst>
               </a:tr>
@@ -8401,7 +8384,7 @@
                 </a:tc>
                 <a:extLst>
                   <a:ext uri="{0D108BD9-81ED-4DB2-BD59-A6C34878D82A}">
-                    <a16:rowId xmlns="" xmlns:a16="http://schemas.microsoft.com/office/drawing/2014/main" val="2012051490"/>
+                    <a16:rowId xmlns:a16="http://schemas.microsoft.com/office/drawing/2014/main" xmlns="" val="2012051490"/>
                   </a:ext>
                 </a:extLst>
               </a:tr>
@@ -8478,7 +8461,7 @@
                 </a:tc>
                 <a:extLst>
                   <a:ext uri="{0D108BD9-81ED-4DB2-BD59-A6C34878D82A}">
-                    <a16:rowId xmlns="" xmlns:a16="http://schemas.microsoft.com/office/drawing/2014/main" val="4288572006"/>
+                    <a16:rowId xmlns:a16="http://schemas.microsoft.com/office/drawing/2014/main" xmlns="" val="4288572006"/>
                   </a:ext>
                 </a:extLst>
               </a:tr>
@@ -8563,7 +8546,7 @@
                 </a:tc>
                 <a:extLst>
                   <a:ext uri="{0D108BD9-81ED-4DB2-BD59-A6C34878D82A}">
-                    <a16:rowId xmlns="" xmlns:a16="http://schemas.microsoft.com/office/drawing/2014/main" val="409909681"/>
+                    <a16:rowId xmlns:a16="http://schemas.microsoft.com/office/drawing/2014/main" xmlns="" val="409909681"/>
                   </a:ext>
                 </a:extLst>
               </a:tr>
@@ -9578,9 +9561,6 @@
               </a:rPr>
               <a:t>()</a:t>
             </a:r>
-            <a:endParaRPr lang="de-DE" cap="none" dirty="0" smtClean="0">
-              <a:latin typeface="Arial" panose="020B0604020202020204" pitchFamily="34" charset="0"/>
-            </a:endParaRPr>
           </a:p>
           <a:p>
             <a:pPr lvl="2"/>
@@ -9611,9 +9591,6 @@
               </a:rPr>
               <a:t>Schadensberechnung</a:t>
             </a:r>
-            <a:endParaRPr lang="de-DE" cap="none" dirty="0" smtClean="0">
-              <a:latin typeface="Arial" panose="020B0604020202020204" pitchFamily="34" charset="0"/>
-            </a:endParaRPr>
           </a:p>
           <a:p>
             <a:r>
@@ -9661,9 +9638,6 @@
               </a:rPr>
               <a:t>Methode</a:t>
             </a:r>
-            <a:endParaRPr lang="de-DE" cap="none" dirty="0" smtClean="0">
-              <a:latin typeface="Arial" panose="020B0604020202020204" pitchFamily="34" charset="0"/>
-            </a:endParaRPr>
           </a:p>
           <a:p>
             <a:pPr lvl="2"/>
@@ -9673,9 +9647,6 @@
               </a:rPr>
               <a:t>Rotationsberechnungen</a:t>
             </a:r>
-            <a:endParaRPr lang="de-DE" cap="none" dirty="0" smtClean="0">
-              <a:latin typeface="Arial" panose="020B0604020202020204" pitchFamily="34" charset="0"/>
-            </a:endParaRPr>
           </a:p>
           <a:p>
             <a:r>
